--- a/poster/PrePosterDDU.pptx
+++ b/poster/PrePosterDDU.pptx
@@ -376,7 +376,7 @@
             <a:fld id="{E6CC2317-6751-4CD4-9995-8782DD78E936}" type="datetimeFigureOut">
               <a:rPr lang="en-US" smtClean="0"/>
               <a:pPr/>
-              <a:t>3/22/2021</a:t>
+              <a:t>3/31/2021</a:t>
             </a:fld>
             <a:endParaRPr lang="en-US" dirty="0"/>
           </a:p>
@@ -17333,7 +17333,7 @@
         <p:spPr>
           <a:xfrm>
             <a:off x="764546" y="3742428"/>
-            <a:ext cx="8779504" cy="940904"/>
+            <a:ext cx="8779504" cy="1008614"/>
           </a:xfrm>
         </p:spPr>
         <p:txBody>
@@ -17348,7 +17348,19 @@
                 <a:latin typeface="Roboto" panose="02000000000000000000" pitchFamily="2" charset="0"/>
                 <a:ea typeface="Roboto" panose="02000000000000000000" pitchFamily="2" charset="0"/>
               </a:rPr>
-              <a:t>Automatization of CT scan interpretation of pathology diagnosis and surgical intervention.  </a:t>
+              <a:t>Automatization of CT scan interpretation:</a:t>
+            </a:r>
+          </a:p>
+          <a:p>
+            <a:r>
+              <a:rPr lang="en-US" sz="2200" dirty="0">
+                <a:solidFill>
+                  <a:schemeClr val="tx1"/>
+                </a:solidFill>
+                <a:latin typeface="Roboto" panose="02000000000000000000" pitchFamily="2" charset="0"/>
+                <a:ea typeface="Roboto" panose="02000000000000000000" pitchFamily="2" charset="0"/>
+              </a:rPr>
+              <a:t>pathology diagnosis and surgical intervention.  </a:t>
             </a:r>
           </a:p>
         </p:txBody>
